--- a/Notes/Meta-DPI Presentation Einstein.pptx
+++ b/Notes/Meta-DPI Presentation Einstein.pptx
@@ -15888,7 +15888,7 @@
           <a:p>
             <a:fld id="{EB47D843-E0A7-8049-AEBE-837DC0E26B83}" type="datetimeFigureOut">
               <a:rPr lang="en-US" smtClean="0"/>
-              <a:t>4/12/20</a:t>
+              <a:t>3/9/21</a:t>
             </a:fld>
             <a:endParaRPr lang="en-US"/>
           </a:p>
@@ -18108,7 +18108,7 @@
           <a:p>
             <a:fld id="{C3CC7973-FE1F-9840-899D-4C72E54E7C87}" type="datetimeFigureOut">
               <a:rPr lang="en-US" smtClean="0"/>
-              <a:t>4/12/20</a:t>
+              <a:t>3/9/21</a:t>
             </a:fld>
             <a:endParaRPr lang="en-US"/>
           </a:p>
@@ -18375,7 +18375,7 @@
           <a:p>
             <a:fld id="{C3CC7973-FE1F-9840-899D-4C72E54E7C87}" type="datetimeFigureOut">
               <a:rPr lang="en-US" smtClean="0"/>
-              <a:t>4/12/20</a:t>
+              <a:t>3/9/21</a:t>
             </a:fld>
             <a:endParaRPr lang="en-US"/>
           </a:p>
@@ -18606,7 +18606,7 @@
           <a:p>
             <a:fld id="{C3CC7973-FE1F-9840-899D-4C72E54E7C87}" type="datetimeFigureOut">
               <a:rPr lang="en-US" smtClean="0"/>
-              <a:t>4/12/20</a:t>
+              <a:t>3/9/21</a:t>
             </a:fld>
             <a:endParaRPr lang="en-US"/>
           </a:p>
@@ -18916,7 +18916,7 @@
           <a:p>
             <a:fld id="{C3CC7973-FE1F-9840-899D-4C72E54E7C87}" type="datetimeFigureOut">
               <a:rPr lang="en-US" smtClean="0"/>
-              <a:t>4/12/20</a:t>
+              <a:t>3/9/21</a:t>
             </a:fld>
             <a:endParaRPr lang="en-US"/>
           </a:p>
@@ -19389,7 +19389,7 @@
           <a:p>
             <a:fld id="{C3CC7973-FE1F-9840-899D-4C72E54E7C87}" type="datetimeFigureOut">
               <a:rPr lang="en-US" smtClean="0"/>
-              <a:t>4/12/20</a:t>
+              <a:t>3/9/21</a:t>
             </a:fld>
             <a:endParaRPr lang="en-US"/>
           </a:p>
@@ -19936,7 +19936,7 @@
           <a:p>
             <a:fld id="{C3CC7973-FE1F-9840-899D-4C72E54E7C87}" type="datetimeFigureOut">
               <a:rPr lang="en-US" smtClean="0"/>
-              <a:t>4/12/20</a:t>
+              <a:t>3/9/21</a:t>
             </a:fld>
             <a:endParaRPr lang="en-US"/>
           </a:p>
@@ -20710,7 +20710,7 @@
           <a:p>
             <a:fld id="{C3CC7973-FE1F-9840-899D-4C72E54E7C87}" type="datetimeFigureOut">
               <a:rPr lang="en-US" smtClean="0"/>
-              <a:t>4/12/20</a:t>
+              <a:t>3/9/21</a:t>
             </a:fld>
             <a:endParaRPr lang="en-US"/>
           </a:p>
@@ -20885,7 +20885,7 @@
           <a:p>
             <a:fld id="{C3CC7973-FE1F-9840-899D-4C72E54E7C87}" type="datetimeFigureOut">
               <a:rPr lang="en-US" smtClean="0"/>
-              <a:t>4/12/20</a:t>
+              <a:t>3/9/21</a:t>
             </a:fld>
             <a:endParaRPr lang="en-US"/>
           </a:p>
@@ -21108,7 +21108,7 @@
           <a:p>
             <a:fld id="{C3CC7973-FE1F-9840-899D-4C72E54E7C87}" type="datetimeFigureOut">
               <a:rPr lang="en-US" smtClean="0"/>
-              <a:t>4/12/20</a:t>
+              <a:t>3/9/21</a:t>
             </a:fld>
             <a:endParaRPr lang="en-US"/>
           </a:p>
@@ -21288,7 +21288,7 @@
           <a:p>
             <a:fld id="{C3CC7973-FE1F-9840-899D-4C72E54E7C87}" type="datetimeFigureOut">
               <a:rPr lang="en-US" smtClean="0"/>
-              <a:t>4/12/20</a:t>
+              <a:t>3/9/21</a:t>
             </a:fld>
             <a:endParaRPr lang="en-US"/>
           </a:p>
@@ -21577,7 +21577,7 @@
           <a:p>
             <a:fld id="{C3CC7973-FE1F-9840-899D-4C72E54E7C87}" type="datetimeFigureOut">
               <a:rPr lang="en-US" smtClean="0"/>
-              <a:t>4/12/20</a:t>
+              <a:t>3/9/21</a:t>
             </a:fld>
             <a:endParaRPr lang="en-US"/>
           </a:p>
@@ -21819,7 +21819,7 @@
           <a:p>
             <a:fld id="{C3CC7973-FE1F-9840-899D-4C72E54E7C87}" type="datetimeFigureOut">
               <a:rPr lang="en-US" smtClean="0"/>
-              <a:t>4/12/20</a:t>
+              <a:t>3/9/21</a:t>
             </a:fld>
             <a:endParaRPr lang="en-US"/>
           </a:p>
@@ -22198,7 +22198,7 @@
           <a:p>
             <a:fld id="{C3CC7973-FE1F-9840-899D-4C72E54E7C87}" type="datetimeFigureOut">
               <a:rPr lang="en-US" smtClean="0"/>
-              <a:t>4/12/20</a:t>
+              <a:t>3/9/21</a:t>
             </a:fld>
             <a:endParaRPr lang="en-US"/>
           </a:p>
@@ -22316,7 +22316,7 @@
           <a:p>
             <a:fld id="{C3CC7973-FE1F-9840-899D-4C72E54E7C87}" type="datetimeFigureOut">
               <a:rPr lang="en-US" smtClean="0"/>
-              <a:t>4/12/20</a:t>
+              <a:t>3/9/21</a:t>
             </a:fld>
             <a:endParaRPr lang="en-US"/>
           </a:p>
@@ -22411,7 +22411,7 @@
           <a:p>
             <a:fld id="{C3CC7973-FE1F-9840-899D-4C72E54E7C87}" type="datetimeFigureOut">
               <a:rPr lang="en-US" smtClean="0"/>
-              <a:t>4/12/20</a:t>
+              <a:t>3/9/21</a:t>
             </a:fld>
             <a:endParaRPr lang="en-US"/>
           </a:p>
@@ -22660,7 +22660,7 @@
           <a:p>
             <a:fld id="{C3CC7973-FE1F-9840-899D-4C72E54E7C87}" type="datetimeFigureOut">
               <a:rPr lang="en-US" smtClean="0"/>
-              <a:t>4/12/20</a:t>
+              <a:t>3/9/21</a:t>
             </a:fld>
             <a:endParaRPr lang="en-US"/>
           </a:p>
@@ -22917,7 +22917,7 @@
           <a:p>
             <a:fld id="{C3CC7973-FE1F-9840-899D-4C72E54E7C87}" type="datetimeFigureOut">
               <a:rPr lang="en-US" smtClean="0"/>
-              <a:t>4/12/20</a:t>
+              <a:t>3/9/21</a:t>
             </a:fld>
             <a:endParaRPr lang="en-US"/>
           </a:p>
@@ -23160,7 +23160,7 @@
           <a:p>
             <a:fld id="{C3CC7973-FE1F-9840-899D-4C72E54E7C87}" type="datetimeFigureOut">
               <a:rPr lang="en-US" smtClean="0"/>
-              <a:t>4/12/20</a:t>
+              <a:t>3/9/21</a:t>
             </a:fld>
             <a:endParaRPr lang="en-US"/>
           </a:p>
@@ -25628,10 +25628,10 @@
       </p:pic>
       <p:pic>
         <p:nvPicPr>
-          <p:cNvPr id="2049" name="Picture 1" descr="page3image50439728">
+          <p:cNvPr id="5" name="Picture 1" descr="page3image50439728">
             <a:extLst>
               <a:ext uri="{FF2B5EF4-FFF2-40B4-BE49-F238E27FC236}">
-                <a16:creationId xmlns:a16="http://schemas.microsoft.com/office/drawing/2014/main" id="{5A0F6B10-5D78-A349-8446-A9292A1C2C4E}"/>
+                <a16:creationId xmlns:a16="http://schemas.microsoft.com/office/drawing/2014/main" id="{663370C6-7A1E-7C49-8C96-31B89F1E05D9}"/>
               </a:ext>
             </a:extLst>
           </p:cNvPr>
@@ -25655,7 +25655,7 @@
         </p:blipFill>
         <p:spPr bwMode="auto">
           <a:xfrm>
-            <a:off x="1" y="0"/>
+            <a:off x="58496" y="171072"/>
             <a:ext cx="5484974" cy="6686928"/>
           </a:xfrm>
           <a:prstGeom prst="rect">
